--- a/vnet-integ-and-service-endpoint/images/figures.pptx
+++ b/vnet-integ-and-service-endpoint/images/figures.pptx
@@ -5,13 +5,15 @@
     <p:sldMasterId id="2147483672" r:id="rId1"/>
   </p:sldMasterIdLst>
   <p:notesMasterIdLst>
-    <p:notesMasterId r:id="rId6"/>
+    <p:notesMasterId r:id="rId8"/>
   </p:notesMasterIdLst>
   <p:sldIdLst>
     <p:sldId id="256" r:id="rId2"/>
     <p:sldId id="258" r:id="rId3"/>
     <p:sldId id="257" r:id="rId4"/>
     <p:sldId id="259" r:id="rId5"/>
+    <p:sldId id="260" r:id="rId6"/>
+    <p:sldId id="261" r:id="rId7"/>
   </p:sldIdLst>
   <p:sldSz cx="12192000" cy="6858000"/>
   <p:notesSz cx="6858000" cy="9144000"/>
@@ -3925,7 +3927,7 @@
         </p:nvSpPr>
         <p:spPr>
           <a:xfrm>
-            <a:off x="2583788" y="5100719"/>
+            <a:off x="2056093" y="3956488"/>
             <a:ext cx="1514650" cy="338554"/>
           </a:xfrm>
           <a:prstGeom prst="rect">
@@ -4375,10 +4377,9 @@
               <a:t>IP</a:t>
             </a:r>
             <a:r>
-              <a:rPr kumimoji="1" lang="ja-JP" altLang="en-US" sz="1600"/>
+              <a:rPr kumimoji="1" lang="ja-JP" altLang="en-US" sz="1600" dirty="0"/>
               <a:t> アドレス を許可</a:t>
             </a:r>
-            <a:endParaRPr kumimoji="1" lang="ja-JP" altLang="en-US" sz="1600" dirty="0"/>
           </a:p>
         </p:txBody>
       </p:sp>
@@ -4426,20 +4427,35 @@
           </p:cNvPicPr>
           <p:nvPr/>
         </p:nvPicPr>
-        <p:blipFill>
-          <a:blip r:embed="rId2"/>
-          <a:stretch>
-            <a:fillRect/>
-          </a:stretch>
+        <p:blipFill rotWithShape="1">
+          <a:blip r:embed="rId2" cstate="print">
+            <a:extLst>
+              <a:ext uri="{28A0092B-C50C-407E-A947-70E740481C1C}">
+                <a14:useLocalDpi xmlns:a14="http://schemas.microsoft.com/office/drawing/2010/main"/>
+              </a:ext>
+            </a:extLst>
+          </a:blip>
+          <a:srcRect/>
+          <a:stretch/>
         </p:blipFill>
         <p:spPr>
           <a:xfrm>
-            <a:off x="716559" y="0"/>
-            <a:ext cx="10758881" cy="6858000"/>
+            <a:off x="2013924" y="790984"/>
+            <a:ext cx="6744314" cy="5038316"/>
           </a:xfrm>
           <a:prstGeom prst="rect">
             <a:avLst/>
           </a:prstGeom>
+          <a:ln>
+            <a:noFill/>
+          </a:ln>
+          <a:effectLst>
+            <a:outerShdw blurRad="292100" dist="139700" dir="2700000" algn="tl" rotWithShape="0">
+              <a:srgbClr val="333333">
+                <a:alpha val="65000"/>
+              </a:srgbClr>
+            </a:outerShdw>
+          </a:effectLst>
         </p:spPr>
       </p:pic>
     </p:spTree>
@@ -4474,10 +4490,10 @@
       </p:grpSpPr>
       <p:pic>
         <p:nvPicPr>
-          <p:cNvPr id="2" name="図 1">
+          <p:cNvPr id="4" name="図 3">
             <a:extLst>
               <a:ext uri="{FF2B5EF4-FFF2-40B4-BE49-F238E27FC236}">
-                <a16:creationId xmlns:a16="http://schemas.microsoft.com/office/drawing/2014/main" id="{E98B90E1-11BA-48F5-91F5-22D0AFB86B57}"/>
+                <a16:creationId xmlns:a16="http://schemas.microsoft.com/office/drawing/2014/main" id="{597BAD15-EB00-4A36-8FCD-5EA952DFEC95}"/>
               </a:ext>
             </a:extLst>
           </p:cNvPr>
@@ -4486,20 +4502,35 @@
           </p:cNvPicPr>
           <p:nvPr/>
         </p:nvPicPr>
-        <p:blipFill>
-          <a:blip r:embed="rId2"/>
-          <a:stretch>
-            <a:fillRect/>
-          </a:stretch>
+        <p:blipFill rotWithShape="1">
+          <a:blip r:embed="rId2" cstate="print">
+            <a:extLst>
+              <a:ext uri="{28A0092B-C50C-407E-A947-70E740481C1C}">
+                <a14:useLocalDpi xmlns:a14="http://schemas.microsoft.com/office/drawing/2010/main"/>
+              </a:ext>
+            </a:extLst>
+          </a:blip>
+          <a:srcRect/>
+          <a:stretch/>
         </p:blipFill>
         <p:spPr>
           <a:xfrm>
-            <a:off x="716559" y="0"/>
-            <a:ext cx="10758881" cy="6858000"/>
+            <a:off x="2464594" y="878681"/>
+            <a:ext cx="8065294" cy="3800476"/>
           </a:xfrm>
           <a:prstGeom prst="rect">
             <a:avLst/>
           </a:prstGeom>
+          <a:ln>
+            <a:noFill/>
+          </a:ln>
+          <a:effectLst>
+            <a:outerShdw blurRad="292100" dist="139700" dir="2700000" algn="tl" rotWithShape="0">
+              <a:srgbClr val="333333">
+                <a:alpha val="65000"/>
+              </a:srgbClr>
+            </a:outerShdw>
+          </a:effectLst>
         </p:spPr>
       </p:pic>
     </p:spTree>
@@ -4546,26 +4577,225 @@
           </p:cNvPicPr>
           <p:nvPr/>
         </p:nvPicPr>
+        <p:blipFill rotWithShape="1">
+          <a:blip r:embed="rId2" cstate="print">
+            <a:extLst>
+              <a:ext uri="{28A0092B-C50C-407E-A947-70E740481C1C}">
+                <a14:useLocalDpi xmlns:a14="http://schemas.microsoft.com/office/drawing/2010/main"/>
+              </a:ext>
+            </a:extLst>
+          </a:blip>
+          <a:srcRect/>
+          <a:stretch/>
+        </p:blipFill>
+        <p:spPr>
+          <a:xfrm>
+            <a:off x="2478881" y="878680"/>
+            <a:ext cx="8836819" cy="4929189"/>
+          </a:xfrm>
+          <a:prstGeom prst="rect">
+            <a:avLst/>
+          </a:prstGeom>
+          <a:ln>
+            <a:noFill/>
+          </a:ln>
+          <a:effectLst>
+            <a:outerShdw blurRad="292100" dist="139700" dir="2700000" algn="tl" rotWithShape="0">
+              <a:srgbClr val="333333">
+                <a:alpha val="65000"/>
+              </a:srgbClr>
+            </a:outerShdw>
+          </a:effectLst>
+        </p:spPr>
+      </p:pic>
+    </p:spTree>
+    <p:extLst>
+      <p:ext uri="{BB962C8B-B14F-4D97-AF65-F5344CB8AC3E}">
+        <p14:creationId xmlns:p14="http://schemas.microsoft.com/office/powerpoint/2010/main" val="170888026"/>
+      </p:ext>
+    </p:extLst>
+  </p:cSld>
+  <p:clrMapOvr>
+    <a:masterClrMapping/>
+  </p:clrMapOvr>
+</p:sld>
+</file>
+
+<file path=ppt/slides/slide5.xml><?xml version="1.0" encoding="utf-8"?>
+<p:sld xmlns:a="http://schemas.openxmlformats.org/drawingml/2006/main" xmlns:r="http://schemas.openxmlformats.org/officeDocument/2006/relationships" xmlns:p="http://schemas.openxmlformats.org/presentationml/2006/main">
+  <p:cSld>
+    <p:spTree>
+      <p:nvGrpSpPr>
+        <p:cNvPr id="1" name=""/>
+        <p:cNvGrpSpPr/>
+        <p:nvPr/>
+      </p:nvGrpSpPr>
+      <p:grpSpPr>
+        <a:xfrm>
+          <a:off x="0" y="0"/>
+          <a:ext cx="0" cy="0"/>
+          <a:chOff x="0" y="0"/>
+          <a:chExt cx="0" cy="0"/>
+        </a:xfrm>
+      </p:grpSpPr>
+      <p:pic>
+        <p:nvPicPr>
+          <p:cNvPr id="2" name="図 1">
+            <a:extLst>
+              <a:ext uri="{FF2B5EF4-FFF2-40B4-BE49-F238E27FC236}">
+                <a16:creationId xmlns:a16="http://schemas.microsoft.com/office/drawing/2014/main" id="{22E5AE71-E000-4DA3-AEFC-5B3A05F71CB7}"/>
+              </a:ext>
+            </a:extLst>
+          </p:cNvPr>
+          <p:cNvPicPr>
+            <a:picLocks noChangeAspect="1"/>
+          </p:cNvPicPr>
+          <p:nvPr/>
+        </p:nvPicPr>
+        <p:blipFill rotWithShape="1">
+          <a:blip r:embed="rId2" cstate="print">
+            <a:extLst>
+              <a:ext uri="{28A0092B-C50C-407E-A947-70E740481C1C}">
+                <a14:useLocalDpi xmlns:a14="http://schemas.microsoft.com/office/drawing/2010/main"/>
+              </a:ext>
+            </a:extLst>
+          </a:blip>
+          <a:srcRect/>
+          <a:stretch/>
+        </p:blipFill>
+        <p:spPr>
+          <a:xfrm>
+            <a:off x="2471738" y="878681"/>
+            <a:ext cx="7329487" cy="5022058"/>
+          </a:xfrm>
+          <a:prstGeom prst="rect">
+            <a:avLst/>
+          </a:prstGeom>
+          <a:ln>
+            <a:noFill/>
+          </a:ln>
+          <a:effectLst>
+            <a:outerShdw blurRad="292100" dist="139700" dir="2700000" algn="tl" rotWithShape="0">
+              <a:srgbClr val="333333">
+                <a:alpha val="65000"/>
+              </a:srgbClr>
+            </a:outerShdw>
+          </a:effectLst>
+        </p:spPr>
+      </p:pic>
+    </p:spTree>
+    <p:extLst>
+      <p:ext uri="{BB962C8B-B14F-4D97-AF65-F5344CB8AC3E}">
+        <p14:creationId xmlns:p14="http://schemas.microsoft.com/office/powerpoint/2010/main" val="3357055560"/>
+      </p:ext>
+    </p:extLst>
+  </p:cSld>
+  <p:clrMapOvr>
+    <a:masterClrMapping/>
+  </p:clrMapOvr>
+</p:sld>
+</file>
+
+<file path=ppt/slides/slide6.xml><?xml version="1.0" encoding="utf-8"?>
+<p:sld xmlns:a="http://schemas.openxmlformats.org/drawingml/2006/main" xmlns:r="http://schemas.openxmlformats.org/officeDocument/2006/relationships" xmlns:p="http://schemas.openxmlformats.org/presentationml/2006/main">
+  <p:cSld>
+    <p:spTree>
+      <p:nvGrpSpPr>
+        <p:cNvPr id="1" name=""/>
+        <p:cNvGrpSpPr/>
+        <p:nvPr/>
+      </p:nvGrpSpPr>
+      <p:grpSpPr>
+        <a:xfrm>
+          <a:off x="0" y="0"/>
+          <a:ext cx="0" cy="0"/>
+          <a:chOff x="0" y="0"/>
+          <a:chExt cx="0" cy="0"/>
+        </a:xfrm>
+      </p:grpSpPr>
+      <p:pic>
+        <p:nvPicPr>
+          <p:cNvPr id="3" name="図 2">
+            <a:extLst>
+              <a:ext uri="{FF2B5EF4-FFF2-40B4-BE49-F238E27FC236}">
+                <a16:creationId xmlns:a16="http://schemas.microsoft.com/office/drawing/2014/main" id="{3BD5421D-15CC-4E26-814F-5D83DC12538F}"/>
+              </a:ext>
+            </a:extLst>
+          </p:cNvPr>
+          <p:cNvPicPr>
+            <a:picLocks noChangeAspect="1"/>
+          </p:cNvPicPr>
+          <p:nvPr/>
+        </p:nvPicPr>
+        <p:blipFill rotWithShape="1">
+          <a:blip r:embed="rId2"/>
+          <a:srcRect l="4760" t="15624" r="17819" b="4062"/>
+          <a:stretch/>
+        </p:blipFill>
+        <p:spPr>
+          <a:xfrm>
+            <a:off x="87024" y="760131"/>
+            <a:ext cx="6883977" cy="4551926"/>
+          </a:xfrm>
+          <a:prstGeom prst="rect">
+            <a:avLst/>
+          </a:prstGeom>
+          <a:ln>
+            <a:noFill/>
+          </a:ln>
+          <a:effectLst>
+            <a:outerShdw blurRad="292100" dist="139700" dir="2700000" algn="tl" rotWithShape="0">
+              <a:srgbClr val="333333">
+                <a:alpha val="65000"/>
+              </a:srgbClr>
+            </a:outerShdw>
+          </a:effectLst>
+        </p:spPr>
+      </p:pic>
+      <p:pic>
+        <p:nvPicPr>
+          <p:cNvPr id="4" name="図 3">
+            <a:extLst>
+              <a:ext uri="{FF2B5EF4-FFF2-40B4-BE49-F238E27FC236}">
+                <a16:creationId xmlns:a16="http://schemas.microsoft.com/office/drawing/2014/main" id="{12533E32-3198-49AC-94D6-A8F097780E80}"/>
+              </a:ext>
+            </a:extLst>
+          </p:cNvPr>
+          <p:cNvPicPr>
+            <a:picLocks noChangeAspect="1"/>
+          </p:cNvPicPr>
+          <p:nvPr/>
+        </p:nvPicPr>
         <p:blipFill>
-          <a:blip r:embed="rId2"/>
+          <a:blip r:embed="rId3"/>
           <a:stretch>
             <a:fillRect/>
           </a:stretch>
         </p:blipFill>
         <p:spPr>
           <a:xfrm>
-            <a:off x="716559" y="0"/>
-            <a:ext cx="10758881" cy="6858000"/>
+            <a:off x="7188371" y="694042"/>
+            <a:ext cx="7245007" cy="4684105"/>
           </a:xfrm>
           <a:prstGeom prst="rect">
             <a:avLst/>
           </a:prstGeom>
+          <a:ln>
+            <a:noFill/>
+          </a:ln>
+          <a:effectLst>
+            <a:outerShdw blurRad="292100" dist="139700" dir="2700000" algn="tl" rotWithShape="0">
+              <a:srgbClr val="333333">
+                <a:alpha val="65000"/>
+              </a:srgbClr>
+            </a:outerShdw>
+          </a:effectLst>
         </p:spPr>
       </p:pic>
     </p:spTree>
     <p:extLst>
       <p:ext uri="{BB962C8B-B14F-4D97-AF65-F5344CB8AC3E}">
-        <p14:creationId xmlns:p14="http://schemas.microsoft.com/office/powerpoint/2010/main" val="170888026"/>
+        <p14:creationId xmlns:p14="http://schemas.microsoft.com/office/powerpoint/2010/main" val="146475328"/>
       </p:ext>
     </p:extLst>
   </p:cSld>
